--- a/게임기획실무/컨셉기획서.pptx
+++ b/게임기획실무/컨셉기획서.pptx
@@ -108,6 +108,11 @@
       </a:defRPr>
     </a:lvl9pPr>
   </p:defaultTextStyle>
+  <p:extLst>
+    <p:ext uri="{EFAFB233-063F-42B5-8137-9DF3F51BA10A}">
+      <p15:sldGuideLst xmlns:p15="http://schemas.microsoft.com/office/powerpoint/2012/main"/>
+    </p:ext>
+  </p:extLst>
 </p:presentation>
 </file>
 
@@ -302,7 +307,7 @@
           <a:p>
             <a:fld id="{0BF3AA19-775E-479D-BB23-4BF58B9B2738}" type="datetimeFigureOut">
               <a:rPr lang="ko-KR" altLang="en-US" smtClean="0"/>
-              <a:t>2022-03-16</a:t>
+              <a:t>2022-03-17</a:t>
             </a:fld>
             <a:endParaRPr lang="ko-KR" altLang="en-US"/>
           </a:p>
@@ -738,7 +743,7 @@
           <a:p>
             <a:fld id="{0BF3AA19-775E-479D-BB23-4BF58B9B2738}" type="datetimeFigureOut">
               <a:rPr lang="ko-KR" altLang="en-US" smtClean="0"/>
-              <a:t>2022-03-16</a:t>
+              <a:t>2022-03-17</a:t>
             </a:fld>
             <a:endParaRPr lang="ko-KR" altLang="en-US"/>
           </a:p>
@@ -988,7 +993,7 @@
           <a:p>
             <a:fld id="{0BF3AA19-775E-479D-BB23-4BF58B9B2738}" type="datetimeFigureOut">
               <a:rPr lang="ko-KR" altLang="en-US" smtClean="0"/>
-              <a:t>2022-03-16</a:t>
+              <a:t>2022-03-17</a:t>
             </a:fld>
             <a:endParaRPr lang="ko-KR" altLang="en-US"/>
           </a:p>
@@ -1296,7 +1301,7 @@
           <a:p>
             <a:fld id="{0BF3AA19-775E-479D-BB23-4BF58B9B2738}" type="datetimeFigureOut">
               <a:rPr lang="ko-KR" altLang="en-US" smtClean="0"/>
-              <a:t>2022-03-16</a:t>
+              <a:t>2022-03-17</a:t>
             </a:fld>
             <a:endParaRPr lang="ko-KR" altLang="en-US"/>
           </a:p>
@@ -1614,7 +1619,7 @@
           <a:p>
             <a:fld id="{0BF3AA19-775E-479D-BB23-4BF58B9B2738}" type="datetimeFigureOut">
               <a:rPr lang="ko-KR" altLang="en-US" smtClean="0"/>
-              <a:t>2022-03-16</a:t>
+              <a:t>2022-03-17</a:t>
             </a:fld>
             <a:endParaRPr lang="ko-KR" altLang="en-US"/>
           </a:p>
@@ -1916,7 +1921,7 @@
           <a:p>
             <a:fld id="{0BF3AA19-775E-479D-BB23-4BF58B9B2738}" type="datetimeFigureOut">
               <a:rPr lang="ko-KR" altLang="en-US" smtClean="0"/>
-              <a:t>2022-03-16</a:t>
+              <a:t>2022-03-17</a:t>
             </a:fld>
             <a:endParaRPr lang="ko-KR" altLang="en-US"/>
           </a:p>
@@ -2283,7 +2288,7 @@
           <a:p>
             <a:fld id="{0BF3AA19-775E-479D-BB23-4BF58B9B2738}" type="datetimeFigureOut">
               <a:rPr lang="ko-KR" altLang="en-US" smtClean="0"/>
-              <a:t>2022-03-16</a:t>
+              <a:t>2022-03-17</a:t>
             </a:fld>
             <a:endParaRPr lang="ko-KR" altLang="en-US"/>
           </a:p>
@@ -2457,7 +2462,7 @@
           <a:p>
             <a:fld id="{0BF3AA19-775E-479D-BB23-4BF58B9B2738}" type="datetimeFigureOut">
               <a:rPr lang="ko-KR" altLang="en-US" smtClean="0"/>
-              <a:t>2022-03-16</a:t>
+              <a:t>2022-03-17</a:t>
             </a:fld>
             <a:endParaRPr lang="ko-KR" altLang="en-US"/>
           </a:p>
@@ -2637,7 +2642,7 @@
           <a:p>
             <a:fld id="{0BF3AA19-775E-479D-BB23-4BF58B9B2738}" type="datetimeFigureOut">
               <a:rPr lang="ko-KR" altLang="en-US" smtClean="0"/>
-              <a:t>2022-03-16</a:t>
+              <a:t>2022-03-17</a:t>
             </a:fld>
             <a:endParaRPr lang="ko-KR" altLang="en-US"/>
           </a:p>
@@ -2807,7 +2812,7 @@
           <a:p>
             <a:fld id="{0BF3AA19-775E-479D-BB23-4BF58B9B2738}" type="datetimeFigureOut">
               <a:rPr lang="ko-KR" altLang="en-US" smtClean="0"/>
-              <a:t>2022-03-16</a:t>
+              <a:t>2022-03-17</a:t>
             </a:fld>
             <a:endParaRPr lang="ko-KR" altLang="en-US"/>
           </a:p>
@@ -3057,7 +3062,7 @@
           <a:p>
             <a:fld id="{0BF3AA19-775E-479D-BB23-4BF58B9B2738}" type="datetimeFigureOut">
               <a:rPr lang="ko-KR" altLang="en-US" smtClean="0"/>
-              <a:t>2022-03-16</a:t>
+              <a:t>2022-03-17</a:t>
             </a:fld>
             <a:endParaRPr lang="ko-KR" altLang="en-US"/>
           </a:p>
@@ -3293,7 +3298,7 @@
           <a:p>
             <a:fld id="{0BF3AA19-775E-479D-BB23-4BF58B9B2738}" type="datetimeFigureOut">
               <a:rPr lang="ko-KR" altLang="en-US" smtClean="0"/>
-              <a:t>2022-03-16</a:t>
+              <a:t>2022-03-17</a:t>
             </a:fld>
             <a:endParaRPr lang="ko-KR" altLang="en-US"/>
           </a:p>
@@ -3675,7 +3680,7 @@
           <a:p>
             <a:fld id="{0BF3AA19-775E-479D-BB23-4BF58B9B2738}" type="datetimeFigureOut">
               <a:rPr lang="ko-KR" altLang="en-US" smtClean="0"/>
-              <a:t>2022-03-16</a:t>
+              <a:t>2022-03-17</a:t>
             </a:fld>
             <a:endParaRPr lang="ko-KR" altLang="en-US"/>
           </a:p>
@@ -3793,7 +3798,7 @@
           <a:p>
             <a:fld id="{0BF3AA19-775E-479D-BB23-4BF58B9B2738}" type="datetimeFigureOut">
               <a:rPr lang="ko-KR" altLang="en-US" smtClean="0"/>
-              <a:t>2022-03-16</a:t>
+              <a:t>2022-03-17</a:t>
             </a:fld>
             <a:endParaRPr lang="ko-KR" altLang="en-US"/>
           </a:p>
@@ -3888,7 +3893,7 @@
           <a:p>
             <a:fld id="{0BF3AA19-775E-479D-BB23-4BF58B9B2738}" type="datetimeFigureOut">
               <a:rPr lang="ko-KR" altLang="en-US" smtClean="0"/>
-              <a:t>2022-03-16</a:t>
+              <a:t>2022-03-17</a:t>
             </a:fld>
             <a:endParaRPr lang="ko-KR" altLang="en-US"/>
           </a:p>
@@ -4143,7 +4148,7 @@
           <a:p>
             <a:fld id="{0BF3AA19-775E-479D-BB23-4BF58B9B2738}" type="datetimeFigureOut">
               <a:rPr lang="ko-KR" altLang="en-US" smtClean="0"/>
-              <a:t>2022-03-16</a:t>
+              <a:t>2022-03-17</a:t>
             </a:fld>
             <a:endParaRPr lang="ko-KR" altLang="en-US"/>
           </a:p>
@@ -4426,7 +4431,7 @@
           <a:p>
             <a:fld id="{0BF3AA19-775E-479D-BB23-4BF58B9B2738}" type="datetimeFigureOut">
               <a:rPr lang="ko-KR" altLang="en-US" smtClean="0"/>
-              <a:t>2022-03-16</a:t>
+              <a:t>2022-03-17</a:t>
             </a:fld>
             <a:endParaRPr lang="ko-KR" altLang="en-US"/>
           </a:p>
@@ -4832,7 +4837,7 @@
           <a:p>
             <a:fld id="{0BF3AA19-775E-479D-BB23-4BF58B9B2738}" type="datetimeFigureOut">
               <a:rPr lang="ko-KR" altLang="en-US" smtClean="0"/>
-              <a:t>2022-03-16</a:t>
+              <a:t>2022-03-17</a:t>
             </a:fld>
             <a:endParaRPr lang="ko-KR" altLang="en-US"/>
           </a:p>
@@ -7703,6 +7708,114 @@
           </a:fontRef>
         </p:style>
       </p:cxnSp>
+      <p:sp>
+        <p:nvSpPr>
+          <p:cNvPr id="2" name="TextBox 1">
+            <a:extLst>
+              <a:ext uri="{FF2B5EF4-FFF2-40B4-BE49-F238E27FC236}">
+                <a16:creationId xmlns:a16="http://schemas.microsoft.com/office/drawing/2014/main" id="{BDE18947-93BC-40D0-9D1B-D0E162DF5620}"/>
+              </a:ext>
+            </a:extLst>
+          </p:cNvPr>
+          <p:cNvSpPr txBox="1"/>
+          <p:nvPr/>
+        </p:nvSpPr>
+        <p:spPr>
+          <a:xfrm>
+            <a:off x="114122" y="4406816"/>
+            <a:ext cx="2611774" cy="1477328"/>
+          </a:xfrm>
+          <a:prstGeom prst="rect">
+            <a:avLst/>
+          </a:prstGeom>
+          <a:noFill/>
+        </p:spPr>
+        <p:txBody>
+          <a:bodyPr wrap="square" rtlCol="0">
+            <a:spAutoFit/>
+          </a:bodyPr>
+          <a:lstStyle/>
+          <a:p>
+            <a:r>
+              <a:rPr lang="ko-KR" altLang="en-US" dirty="0"/>
+              <a:t>팀원</a:t>
+            </a:r>
+            <a:endParaRPr lang="en-US" altLang="ko-KR" dirty="0"/>
+          </a:p>
+          <a:p>
+            <a:r>
+              <a:rPr lang="ko-KR" altLang="en-US" dirty="0"/>
+              <a:t>대표 </a:t>
+            </a:r>
+            <a:r>
+              <a:rPr lang="en-US" altLang="ko-KR" dirty="0"/>
+              <a:t>: </a:t>
+            </a:r>
+            <a:r>
+              <a:rPr lang="en-US" altLang="ko-KR" b="0" i="0" dirty="0">
+                <a:effectLst/>
+                <a:latin typeface="NanumGothic" panose="020B0503020000020004" pitchFamily="2" charset="-127"/>
+                <a:ea typeface="NanumGothic" panose="020B0503020000020004" pitchFamily="2" charset="-127"/>
+              </a:rPr>
+              <a:t>20175334 </a:t>
+            </a:r>
+            <a:r>
+              <a:rPr lang="ko-KR" altLang="en-US" b="0" i="0" dirty="0">
+                <a:effectLst/>
+                <a:latin typeface="NanumGothic" panose="020B0503020000020004" pitchFamily="2" charset="-127"/>
+                <a:ea typeface="NanumGothic" panose="020B0503020000020004" pitchFamily="2" charset="-127"/>
+              </a:rPr>
+              <a:t>장윤제</a:t>
+            </a:r>
+            <a:endParaRPr lang="en-US" altLang="ko-KR" dirty="0"/>
+          </a:p>
+          <a:p>
+            <a:r>
+              <a:rPr lang="en-US" altLang="ko-KR" b="0" i="0" dirty="0">
+                <a:effectLst/>
+                <a:latin typeface="NanumGothic" panose="020B0503020000020004" pitchFamily="2" charset="-127"/>
+                <a:ea typeface="NanumGothic" panose="020B0503020000020004" pitchFamily="2" charset="-127"/>
+              </a:rPr>
+              <a:t>20182959 </a:t>
+            </a:r>
+            <a:r>
+              <a:rPr lang="ko-KR" altLang="en-US" b="0" i="0" dirty="0" err="1">
+                <a:effectLst/>
+                <a:latin typeface="NanumGothic" panose="020B0503020000020004" pitchFamily="2" charset="-127"/>
+                <a:ea typeface="NanumGothic" panose="020B0503020000020004" pitchFamily="2" charset="-127"/>
+              </a:rPr>
+              <a:t>이혁희</a:t>
+            </a:r>
+            <a:endParaRPr lang="en-US" altLang="ko-KR" b="0" i="0" dirty="0">
+              <a:effectLst/>
+              <a:latin typeface="NanumGothic" panose="020B0503020000020004" pitchFamily="2" charset="-127"/>
+              <a:ea typeface="NanumGothic" panose="020B0503020000020004" pitchFamily="2" charset="-127"/>
+            </a:endParaRPr>
+          </a:p>
+          <a:p>
+            <a:r>
+              <a:rPr lang="en-US" altLang="ko-KR" b="0" i="0" dirty="0">
+                <a:effectLst/>
+                <a:latin typeface="NanumGothic" panose="020B0503020000020004" pitchFamily="2" charset="-127"/>
+                <a:ea typeface="NanumGothic" panose="020B0503020000020004" pitchFamily="2" charset="-127"/>
+              </a:rPr>
+              <a:t>20211203 </a:t>
+            </a:r>
+            <a:r>
+              <a:rPr lang="ko-KR" altLang="en-US" b="0" i="0" dirty="0">
+                <a:effectLst/>
+                <a:latin typeface="NanumGothic" pitchFamily="2" charset="-127"/>
+                <a:ea typeface="NanumGothic" pitchFamily="2" charset="-127"/>
+              </a:rPr>
+              <a:t>김건식</a:t>
+            </a:r>
+            <a:endParaRPr lang="en-US" altLang="ko-KR" dirty="0"/>
+          </a:p>
+          <a:p>
+            <a:endParaRPr lang="ko-KR" altLang="en-US" dirty="0"/>
+          </a:p>
+        </p:txBody>
+      </p:sp>
     </p:spTree>
     <p:extLst>
       <p:ext uri="{BB962C8B-B14F-4D97-AF65-F5344CB8AC3E}">

--- a/게임기획실무/컨셉기획서.pptx
+++ b/게임기획실무/컨셉기획서.pptx
@@ -8,8 +8,6 @@
     <p:sldId id="256" r:id="rId2"/>
     <p:sldId id="257" r:id="rId3"/>
     <p:sldId id="258" r:id="rId4"/>
-    <p:sldId id="259" r:id="rId5"/>
-    <p:sldId id="260" r:id="rId6"/>
   </p:sldIdLst>
   <p:sldSz cx="12192000" cy="6858000"/>
   <p:notesSz cx="6858000" cy="9144000"/>
@@ -307,7 +305,7 @@
           <a:p>
             <a:fld id="{0BF3AA19-775E-479D-BB23-4BF58B9B2738}" type="datetimeFigureOut">
               <a:rPr lang="ko-KR" altLang="en-US" smtClean="0"/>
-              <a:t>2022-03-17</a:t>
+              <a:t>2022-03-18</a:t>
             </a:fld>
             <a:endParaRPr lang="ko-KR" altLang="en-US"/>
           </a:p>
@@ -743,7 +741,7 @@
           <a:p>
             <a:fld id="{0BF3AA19-775E-479D-BB23-4BF58B9B2738}" type="datetimeFigureOut">
               <a:rPr lang="ko-KR" altLang="en-US" smtClean="0"/>
-              <a:t>2022-03-17</a:t>
+              <a:t>2022-03-18</a:t>
             </a:fld>
             <a:endParaRPr lang="ko-KR" altLang="en-US"/>
           </a:p>
@@ -993,7 +991,7 @@
           <a:p>
             <a:fld id="{0BF3AA19-775E-479D-BB23-4BF58B9B2738}" type="datetimeFigureOut">
               <a:rPr lang="ko-KR" altLang="en-US" smtClean="0"/>
-              <a:t>2022-03-17</a:t>
+              <a:t>2022-03-18</a:t>
             </a:fld>
             <a:endParaRPr lang="ko-KR" altLang="en-US"/>
           </a:p>
@@ -1301,7 +1299,7 @@
           <a:p>
             <a:fld id="{0BF3AA19-775E-479D-BB23-4BF58B9B2738}" type="datetimeFigureOut">
               <a:rPr lang="ko-KR" altLang="en-US" smtClean="0"/>
-              <a:t>2022-03-17</a:t>
+              <a:t>2022-03-18</a:t>
             </a:fld>
             <a:endParaRPr lang="ko-KR" altLang="en-US"/>
           </a:p>
@@ -1619,7 +1617,7 @@
           <a:p>
             <a:fld id="{0BF3AA19-775E-479D-BB23-4BF58B9B2738}" type="datetimeFigureOut">
               <a:rPr lang="ko-KR" altLang="en-US" smtClean="0"/>
-              <a:t>2022-03-17</a:t>
+              <a:t>2022-03-18</a:t>
             </a:fld>
             <a:endParaRPr lang="ko-KR" altLang="en-US"/>
           </a:p>
@@ -1921,7 +1919,7 @@
           <a:p>
             <a:fld id="{0BF3AA19-775E-479D-BB23-4BF58B9B2738}" type="datetimeFigureOut">
               <a:rPr lang="ko-KR" altLang="en-US" smtClean="0"/>
-              <a:t>2022-03-17</a:t>
+              <a:t>2022-03-18</a:t>
             </a:fld>
             <a:endParaRPr lang="ko-KR" altLang="en-US"/>
           </a:p>
@@ -2288,7 +2286,7 @@
           <a:p>
             <a:fld id="{0BF3AA19-775E-479D-BB23-4BF58B9B2738}" type="datetimeFigureOut">
               <a:rPr lang="ko-KR" altLang="en-US" smtClean="0"/>
-              <a:t>2022-03-17</a:t>
+              <a:t>2022-03-18</a:t>
             </a:fld>
             <a:endParaRPr lang="ko-KR" altLang="en-US"/>
           </a:p>
@@ -2462,7 +2460,7 @@
           <a:p>
             <a:fld id="{0BF3AA19-775E-479D-BB23-4BF58B9B2738}" type="datetimeFigureOut">
               <a:rPr lang="ko-KR" altLang="en-US" smtClean="0"/>
-              <a:t>2022-03-17</a:t>
+              <a:t>2022-03-18</a:t>
             </a:fld>
             <a:endParaRPr lang="ko-KR" altLang="en-US"/>
           </a:p>
@@ -2642,7 +2640,7 @@
           <a:p>
             <a:fld id="{0BF3AA19-775E-479D-BB23-4BF58B9B2738}" type="datetimeFigureOut">
               <a:rPr lang="ko-KR" altLang="en-US" smtClean="0"/>
-              <a:t>2022-03-17</a:t>
+              <a:t>2022-03-18</a:t>
             </a:fld>
             <a:endParaRPr lang="ko-KR" altLang="en-US"/>
           </a:p>
@@ -2812,7 +2810,7 @@
           <a:p>
             <a:fld id="{0BF3AA19-775E-479D-BB23-4BF58B9B2738}" type="datetimeFigureOut">
               <a:rPr lang="ko-KR" altLang="en-US" smtClean="0"/>
-              <a:t>2022-03-17</a:t>
+              <a:t>2022-03-18</a:t>
             </a:fld>
             <a:endParaRPr lang="ko-KR" altLang="en-US"/>
           </a:p>
@@ -3062,7 +3060,7 @@
           <a:p>
             <a:fld id="{0BF3AA19-775E-479D-BB23-4BF58B9B2738}" type="datetimeFigureOut">
               <a:rPr lang="ko-KR" altLang="en-US" smtClean="0"/>
-              <a:t>2022-03-17</a:t>
+              <a:t>2022-03-18</a:t>
             </a:fld>
             <a:endParaRPr lang="ko-KR" altLang="en-US"/>
           </a:p>
@@ -3298,7 +3296,7 @@
           <a:p>
             <a:fld id="{0BF3AA19-775E-479D-BB23-4BF58B9B2738}" type="datetimeFigureOut">
               <a:rPr lang="ko-KR" altLang="en-US" smtClean="0"/>
-              <a:t>2022-03-17</a:t>
+              <a:t>2022-03-18</a:t>
             </a:fld>
             <a:endParaRPr lang="ko-KR" altLang="en-US"/>
           </a:p>
@@ -3680,7 +3678,7 @@
           <a:p>
             <a:fld id="{0BF3AA19-775E-479D-BB23-4BF58B9B2738}" type="datetimeFigureOut">
               <a:rPr lang="ko-KR" altLang="en-US" smtClean="0"/>
-              <a:t>2022-03-17</a:t>
+              <a:t>2022-03-18</a:t>
             </a:fld>
             <a:endParaRPr lang="ko-KR" altLang="en-US"/>
           </a:p>
@@ -3798,7 +3796,7 @@
           <a:p>
             <a:fld id="{0BF3AA19-775E-479D-BB23-4BF58B9B2738}" type="datetimeFigureOut">
               <a:rPr lang="ko-KR" altLang="en-US" smtClean="0"/>
-              <a:t>2022-03-17</a:t>
+              <a:t>2022-03-18</a:t>
             </a:fld>
             <a:endParaRPr lang="ko-KR" altLang="en-US"/>
           </a:p>
@@ -3893,7 +3891,7 @@
           <a:p>
             <a:fld id="{0BF3AA19-775E-479D-BB23-4BF58B9B2738}" type="datetimeFigureOut">
               <a:rPr lang="ko-KR" altLang="en-US" smtClean="0"/>
-              <a:t>2022-03-17</a:t>
+              <a:t>2022-03-18</a:t>
             </a:fld>
             <a:endParaRPr lang="ko-KR" altLang="en-US"/>
           </a:p>
@@ -4148,7 +4146,7 @@
           <a:p>
             <a:fld id="{0BF3AA19-775E-479D-BB23-4BF58B9B2738}" type="datetimeFigureOut">
               <a:rPr lang="ko-KR" altLang="en-US" smtClean="0"/>
-              <a:t>2022-03-17</a:t>
+              <a:t>2022-03-18</a:t>
             </a:fld>
             <a:endParaRPr lang="ko-KR" altLang="en-US"/>
           </a:p>
@@ -4431,7 +4429,7 @@
           <a:p>
             <a:fld id="{0BF3AA19-775E-479D-BB23-4BF58B9B2738}" type="datetimeFigureOut">
               <a:rPr lang="ko-KR" altLang="en-US" smtClean="0"/>
-              <a:t>2022-03-17</a:t>
+              <a:t>2022-03-18</a:t>
             </a:fld>
             <a:endParaRPr lang="ko-KR" altLang="en-US"/>
           </a:p>
@@ -4837,7 +4835,7 @@
           <a:p>
             <a:fld id="{0BF3AA19-775E-479D-BB23-4BF58B9B2738}" type="datetimeFigureOut">
               <a:rPr lang="ko-KR" altLang="en-US" smtClean="0"/>
-              <a:t>2022-03-17</a:t>
+              <a:t>2022-03-18</a:t>
             </a:fld>
             <a:endParaRPr lang="ko-KR" altLang="en-US"/>
           </a:p>
@@ -5952,6 +5950,28 @@
               <a:rPr lang="en-US" altLang="ko-KR" sz="2000" dirty="0"/>
               <a:t>			</a:t>
             </a:r>
+            <a:r>
+              <a:rPr lang="ko-KR" altLang="en-US" sz="2000" dirty="0"/>
+              <a:t>매 플레이마다 다른 스킬을 얻을 수 있기 때문에 플레이어가 질리지 않고 게임을 오래 </a:t>
+            </a:r>
+            <a:r>
+              <a:rPr lang="en-US" altLang="ko-KR" sz="2000" dirty="0"/>
+              <a:t>				</a:t>
+            </a:r>
+            <a:r>
+              <a:rPr lang="ko-KR" altLang="en-US" sz="2000" dirty="0"/>
+              <a:t>즐길 수 있을 것이다</a:t>
+            </a:r>
+            <a:r>
+              <a:rPr lang="en-US" altLang="ko-KR" sz="2000" dirty="0"/>
+              <a:t>.</a:t>
+            </a:r>
+          </a:p>
+          <a:p>
+            <a:r>
+              <a:rPr lang="en-US" altLang="ko-KR" sz="2000" dirty="0"/>
+              <a:t>			</a:t>
+            </a:r>
           </a:p>
         </p:txBody>
       </p:sp>
@@ -5998,7 +6018,7 @@
           <a:p>
             <a:r>
               <a:rPr lang="ko-KR" altLang="en-US" sz="2000" dirty="0"/>
-              <a:t>제목 </a:t>
+              <a:t>비슷한 게임 </a:t>
             </a:r>
             <a:r>
               <a:rPr lang="en-US" altLang="ko-KR" sz="2000" dirty="0"/>
@@ -6006,27 +6026,11 @@
             </a:r>
             <a:r>
               <a:rPr lang="ko-KR" altLang="en-US" sz="2000" dirty="0"/>
-              <a:t>몬스터 </a:t>
+              <a:t>뱀파이어 </a:t>
             </a:r>
             <a:r>
               <a:rPr lang="ko-KR" altLang="en-US" sz="2000" dirty="0" err="1"/>
               <a:t>슬레이어</a:t>
-            </a:r>
-            <a:r>
-              <a:rPr lang="ko-KR" altLang="en-US" sz="2000" dirty="0"/>
-              <a:t> </a:t>
-            </a:r>
-            <a:r>
-              <a:rPr lang="en-US" altLang="ko-KR" sz="2000" dirty="0"/>
-              <a:t>(</a:t>
-            </a:r>
-            <a:r>
-              <a:rPr lang="ko-KR" altLang="en-US" sz="2000" dirty="0"/>
-              <a:t>가제</a:t>
-            </a:r>
-            <a:r>
-              <a:rPr lang="en-US" altLang="ko-KR" sz="2000" dirty="0"/>
-              <a:t>)</a:t>
             </a:r>
             <a:endParaRPr lang="ko-KR" altLang="en-US" sz="2000" dirty="0"/>
           </a:p>
@@ -6075,35 +6079,31 @@
           <a:p>
             <a:r>
               <a:rPr lang="ko-KR" altLang="en-US" sz="2000" dirty="0"/>
-              <a:t>제목 </a:t>
+              <a:t>비슷한 게임과 다른 점 </a:t>
             </a:r>
             <a:r>
               <a:rPr lang="en-US" altLang="ko-KR" sz="2000" dirty="0"/>
               <a:t>: </a:t>
             </a:r>
             <a:r>
+              <a:rPr lang="ko-KR" altLang="en-US" sz="2000" dirty="0" err="1"/>
+              <a:t>로우폴리</a:t>
+            </a:r>
+            <a:r>
               <a:rPr lang="ko-KR" altLang="en-US" sz="2000" dirty="0"/>
-              <a:t>몬스터 </a:t>
-            </a:r>
-            <a:r>
-              <a:rPr lang="ko-KR" altLang="en-US" sz="2000" dirty="0" err="1"/>
-              <a:t>슬레이어</a:t>
+              <a:t> 그래픽 기반의 모바일 </a:t>
+            </a:r>
+            <a:r>
+              <a:rPr lang="en-US" altLang="ko-KR" sz="2000" dirty="0"/>
+              <a:t>3D </a:t>
             </a:r>
             <a:r>
               <a:rPr lang="ko-KR" altLang="en-US" sz="2000" dirty="0"/>
-              <a:t> </a:t>
+              <a:t>탑 뷰 형식이 제일 큰 차별점이다</a:t>
             </a:r>
             <a:r>
               <a:rPr lang="en-US" altLang="ko-KR" sz="2000" dirty="0"/>
-              <a:t>(</a:t>
-            </a:r>
-            <a:r>
-              <a:rPr lang="ko-KR" altLang="en-US" sz="2000" dirty="0"/>
-              <a:t>가제</a:t>
-            </a:r>
-            <a:r>
-              <a:rPr lang="en-US" altLang="ko-KR" sz="2000" dirty="0"/>
-              <a:t>)</a:t>
+              <a:t>.</a:t>
             </a:r>
             <a:endParaRPr lang="ko-KR" altLang="en-US" sz="2000" dirty="0"/>
           </a:p>
@@ -7892,6 +7892,38 @@
               <a:rPr lang="ko-KR" altLang="en-US" sz="2800" dirty="0"/>
               <a:t>메인 게임</a:t>
             </a:r>
+            <a:endParaRPr lang="en-US" altLang="ko-KR" sz="2800" dirty="0"/>
+          </a:p>
+          <a:p>
+            <a:pPr algn="ctr"/>
+            <a:r>
+              <a:rPr lang="en-US" altLang="ko-KR" sz="2400" dirty="0"/>
+              <a:t>-</a:t>
+            </a:r>
+            <a:r>
+              <a:rPr lang="ko-KR" altLang="en-US" sz="2400" dirty="0"/>
+              <a:t>마인드 조각</a:t>
+            </a:r>
+            <a:r>
+              <a:rPr lang="en-US" altLang="ko-KR" sz="2400" dirty="0"/>
+              <a:t>-</a:t>
+            </a:r>
+          </a:p>
+          <a:p>
+            <a:pPr algn="ctr"/>
+            <a:r>
+              <a:rPr lang="en-US" altLang="ko-KR" sz="2400" dirty="0"/>
+              <a:t>(</a:t>
+            </a:r>
+            <a:r>
+              <a:rPr lang="ko-KR" altLang="en-US" sz="2400" dirty="0"/>
+              <a:t>세부 기획 때 참고 예정</a:t>
+            </a:r>
+            <a:r>
+              <a:rPr lang="en-US" altLang="ko-KR" sz="2400" dirty="0"/>
+              <a:t>)</a:t>
+            </a:r>
+            <a:endParaRPr lang="ko-KR" altLang="en-US" sz="2400" dirty="0"/>
           </a:p>
         </p:txBody>
       </p:sp>
@@ -8037,59 +8069,6 @@
       </p:sp>
       <p:sp>
         <p:nvSpPr>
-          <p:cNvPr id="17" name="직사각형 16">
-            <a:extLst>
-              <a:ext uri="{FF2B5EF4-FFF2-40B4-BE49-F238E27FC236}">
-                <a16:creationId xmlns:a16="http://schemas.microsoft.com/office/drawing/2014/main" id="{02C7015F-112A-4ABA-88FA-728C1F34D487}"/>
-              </a:ext>
-            </a:extLst>
-          </p:cNvPr>
-          <p:cNvSpPr/>
-          <p:nvPr/>
-        </p:nvSpPr>
-        <p:spPr>
-          <a:xfrm>
-            <a:off x="1733961" y="3288941"/>
-            <a:ext cx="1470991" cy="291548"/>
-          </a:xfrm>
-          <a:prstGeom prst="rect">
-            <a:avLst/>
-          </a:prstGeom>
-        </p:spPr>
-        <p:style>
-          <a:lnRef idx="2">
-            <a:schemeClr val="accent1">
-              <a:shade val="50000"/>
-            </a:schemeClr>
-          </a:lnRef>
-          <a:fillRef idx="1">
-            <a:schemeClr val="accent1"/>
-          </a:fillRef>
-          <a:effectRef idx="0">
-            <a:schemeClr val="accent1"/>
-          </a:effectRef>
-          <a:fontRef idx="minor">
-            <a:schemeClr val="lt1"/>
-          </a:fontRef>
-        </p:style>
-        <p:txBody>
-          <a:bodyPr rtlCol="0" anchor="ctr"/>
-          <a:lstStyle/>
-          <a:p>
-            <a:pPr algn="ctr"/>
-            <a:r>
-              <a:rPr lang="en-US" altLang="ko-KR" dirty="0"/>
-              <a:t>3 </a:t>
-            </a:r>
-            <a:r>
-              <a:rPr lang="ko-KR" altLang="en-US" dirty="0"/>
-              <a:t>인칭</a:t>
-            </a:r>
-          </a:p>
-        </p:txBody>
-      </p:sp>
-      <p:sp>
-        <p:nvSpPr>
           <p:cNvPr id="18" name="직사각형 17">
             <a:extLst>
               <a:ext uri="{FF2B5EF4-FFF2-40B4-BE49-F238E27FC236}">
@@ -8609,7 +8588,7 @@
         </p:nvSpPr>
         <p:spPr>
           <a:xfrm>
-            <a:off x="384938" y="2392012"/>
+            <a:off x="5160649" y="750856"/>
             <a:ext cx="1470991" cy="291548"/>
           </a:xfrm>
           <a:prstGeom prst="rect">
@@ -8652,278 +8631,6 @@
     <p:extLst>
       <p:ext uri="{BB962C8B-B14F-4D97-AF65-F5344CB8AC3E}">
         <p14:creationId xmlns:p14="http://schemas.microsoft.com/office/powerpoint/2010/main" val="1049151118"/>
-      </p:ext>
-    </p:extLst>
-  </p:cSld>
-  <p:clrMapOvr>
-    <a:masterClrMapping/>
-  </p:clrMapOvr>
-</p:sld>
-</file>
-
-<file path=ppt/slides/slide4.xml><?xml version="1.0" encoding="utf-8"?>
-<p:sld xmlns:a="http://schemas.openxmlformats.org/drawingml/2006/main" xmlns:r="http://schemas.openxmlformats.org/officeDocument/2006/relationships" xmlns:p="http://schemas.openxmlformats.org/presentationml/2006/main">
-  <p:cSld>
-    <p:spTree>
-      <p:nvGrpSpPr>
-        <p:cNvPr id="1" name=""/>
-        <p:cNvGrpSpPr/>
-        <p:nvPr/>
-      </p:nvGrpSpPr>
-      <p:grpSpPr>
-        <a:xfrm>
-          <a:off x="0" y="0"/>
-          <a:ext cx="0" cy="0"/>
-          <a:chOff x="0" y="0"/>
-          <a:chExt cx="0" cy="0"/>
-        </a:xfrm>
-      </p:grpSpPr>
-      <p:sp>
-        <p:nvSpPr>
-          <p:cNvPr id="2" name="제목 1">
-            <a:extLst>
-              <a:ext uri="{FF2B5EF4-FFF2-40B4-BE49-F238E27FC236}">
-                <a16:creationId xmlns:a16="http://schemas.microsoft.com/office/drawing/2014/main" id="{92D97FFA-6CFA-4027-9E28-C832D3A60AEB}"/>
-              </a:ext>
-            </a:extLst>
-          </p:cNvPr>
-          <p:cNvSpPr>
-            <a:spLocks noGrp="1"/>
-          </p:cNvSpPr>
-          <p:nvPr>
-            <p:ph type="title"/>
-          </p:nvPr>
-        </p:nvSpPr>
-        <p:spPr/>
-        <p:txBody>
-          <a:bodyPr/>
-          <a:lstStyle/>
-          <a:p>
-            <a:endParaRPr lang="ko-KR" altLang="en-US"/>
-          </a:p>
-        </p:txBody>
-      </p:sp>
-      <p:sp>
-        <p:nvSpPr>
-          <p:cNvPr id="3" name="내용 개체 틀 2">
-            <a:extLst>
-              <a:ext uri="{FF2B5EF4-FFF2-40B4-BE49-F238E27FC236}">
-                <a16:creationId xmlns:a16="http://schemas.microsoft.com/office/drawing/2014/main" id="{FAEA739C-67C6-4B26-9205-ED359C8D0192}"/>
-              </a:ext>
-            </a:extLst>
-          </p:cNvPr>
-          <p:cNvSpPr>
-            <a:spLocks noGrp="1"/>
-          </p:cNvSpPr>
-          <p:nvPr>
-            <p:ph idx="1"/>
-          </p:nvPr>
-        </p:nvSpPr>
-        <p:spPr/>
-        <p:txBody>
-          <a:bodyPr/>
-          <a:lstStyle/>
-          <a:p>
-            <a:endParaRPr lang="ko-KR" altLang="en-US"/>
-          </a:p>
-        </p:txBody>
-      </p:sp>
-      <p:sp>
-        <p:nvSpPr>
-          <p:cNvPr id="4" name="직사각형 3">
-            <a:extLst>
-              <a:ext uri="{FF2B5EF4-FFF2-40B4-BE49-F238E27FC236}">
-                <a16:creationId xmlns:a16="http://schemas.microsoft.com/office/drawing/2014/main" id="{574BC893-7DBC-4E78-97FC-01BF13D6F293}"/>
-              </a:ext>
-            </a:extLst>
-          </p:cNvPr>
-          <p:cNvSpPr/>
-          <p:nvPr/>
-        </p:nvSpPr>
-        <p:spPr>
-          <a:xfrm>
-            <a:off x="817752" y="1893070"/>
-            <a:ext cx="7641604" cy="611899"/>
-          </a:xfrm>
-          <a:prstGeom prst="rect">
-            <a:avLst/>
-          </a:prstGeom>
-        </p:spPr>
-        <p:style>
-          <a:lnRef idx="2">
-            <a:schemeClr val="accent1">
-              <a:shade val="50000"/>
-            </a:schemeClr>
-          </a:lnRef>
-          <a:fillRef idx="1">
-            <a:schemeClr val="accent1"/>
-          </a:fillRef>
-          <a:effectRef idx="0">
-            <a:schemeClr val="accent1"/>
-          </a:effectRef>
-          <a:fontRef idx="minor">
-            <a:schemeClr val="lt1"/>
-          </a:fontRef>
-        </p:style>
-        <p:txBody>
-          <a:bodyPr rtlCol="0" anchor="ctr"/>
-          <a:lstStyle/>
-          <a:p>
-            <a:pPr algn="ctr"/>
-            <a:r>
-              <a:rPr lang="ko-KR" altLang="en-US" dirty="0"/>
-              <a:t>특징 </a:t>
-            </a:r>
-            <a:r>
-              <a:rPr lang="en-US" altLang="ko-KR" dirty="0"/>
-              <a:t>: </a:t>
-            </a:r>
-            <a:r>
-              <a:rPr lang="ko-KR" altLang="en-US" dirty="0" err="1"/>
-              <a:t>레벨업</a:t>
-            </a:r>
-            <a:r>
-              <a:rPr lang="ko-KR" altLang="en-US" dirty="0"/>
-              <a:t> 마다 </a:t>
-            </a:r>
-            <a:r>
-              <a:rPr lang="ko-KR" altLang="en-US" dirty="0" err="1"/>
-              <a:t>랜덤한</a:t>
-            </a:r>
-            <a:r>
-              <a:rPr lang="ko-KR" altLang="en-US" dirty="0"/>
-              <a:t> 스킬이 생긴다</a:t>
-            </a:r>
-            <a:r>
-              <a:rPr lang="en-US" altLang="ko-KR" dirty="0"/>
-              <a:t>.</a:t>
-            </a:r>
-          </a:p>
-          <a:p>
-            <a:pPr algn="ctr"/>
-            <a:r>
-              <a:rPr lang="ko-KR" altLang="en-US" dirty="0"/>
-              <a:t>장점 </a:t>
-            </a:r>
-            <a:r>
-              <a:rPr lang="en-US" altLang="ko-KR" dirty="0"/>
-              <a:t>: </a:t>
-            </a:r>
-            <a:r>
-              <a:rPr lang="ko-KR" altLang="en-US" dirty="0"/>
-              <a:t>도박성</a:t>
-            </a:r>
-            <a:r>
-              <a:rPr lang="en-US" altLang="ko-KR" dirty="0"/>
-              <a:t>.. </a:t>
-            </a:r>
-            <a:r>
-              <a:rPr lang="ko-KR" altLang="en-US" dirty="0"/>
-              <a:t>매 </a:t>
-            </a:r>
-            <a:r>
-              <a:rPr lang="ko-KR" altLang="en-US" dirty="0" err="1"/>
-              <a:t>회차</a:t>
-            </a:r>
-            <a:r>
-              <a:rPr lang="ko-KR" altLang="en-US" dirty="0"/>
-              <a:t> 다른 재미를 느낄 수 있다</a:t>
-            </a:r>
-            <a:r>
-              <a:rPr lang="en-US" altLang="ko-KR" dirty="0"/>
-              <a:t>.</a:t>
-            </a:r>
-            <a:endParaRPr lang="ko-KR" altLang="en-US" dirty="0"/>
-          </a:p>
-        </p:txBody>
-      </p:sp>
-      <p:sp>
-        <p:nvSpPr>
-          <p:cNvPr id="5" name="직사각형 4">
-            <a:extLst>
-              <a:ext uri="{FF2B5EF4-FFF2-40B4-BE49-F238E27FC236}">
-                <a16:creationId xmlns:a16="http://schemas.microsoft.com/office/drawing/2014/main" id="{22449562-F1D1-4112-B7F0-5FB4541A5305}"/>
-              </a:ext>
-            </a:extLst>
-          </p:cNvPr>
-          <p:cNvSpPr/>
-          <p:nvPr/>
-        </p:nvSpPr>
-        <p:spPr>
-          <a:xfrm>
-            <a:off x="817752" y="3338731"/>
-            <a:ext cx="7734683" cy="611899"/>
-          </a:xfrm>
-          <a:prstGeom prst="rect">
-            <a:avLst/>
-          </a:prstGeom>
-        </p:spPr>
-        <p:style>
-          <a:lnRef idx="2">
-            <a:schemeClr val="accent1">
-              <a:shade val="50000"/>
-            </a:schemeClr>
-          </a:lnRef>
-          <a:fillRef idx="1">
-            <a:schemeClr val="accent1"/>
-          </a:fillRef>
-          <a:effectRef idx="0">
-            <a:schemeClr val="accent1"/>
-          </a:effectRef>
-          <a:fontRef idx="minor">
-            <a:schemeClr val="lt1"/>
-          </a:fontRef>
-        </p:style>
-        <p:txBody>
-          <a:bodyPr rtlCol="0" anchor="ctr"/>
-          <a:lstStyle/>
-          <a:p>
-            <a:pPr algn="ctr"/>
-            <a:r>
-              <a:rPr lang="ko-KR" altLang="en-US" dirty="0"/>
-              <a:t>타 게임과 차별성 </a:t>
-            </a:r>
-            <a:r>
-              <a:rPr lang="en-US" altLang="ko-KR" dirty="0"/>
-              <a:t>: 3D, </a:t>
-            </a:r>
-          </a:p>
-        </p:txBody>
-      </p:sp>
-    </p:spTree>
-    <p:extLst>
-      <p:ext uri="{BB962C8B-B14F-4D97-AF65-F5344CB8AC3E}">
-        <p14:creationId xmlns:p14="http://schemas.microsoft.com/office/powerpoint/2010/main" val="186713059"/>
-      </p:ext>
-    </p:extLst>
-  </p:cSld>
-  <p:clrMapOvr>
-    <a:masterClrMapping/>
-  </p:clrMapOvr>
-</p:sld>
-</file>
-
-<file path=ppt/slides/slide5.xml><?xml version="1.0" encoding="utf-8"?>
-<p:sld xmlns:a="http://schemas.openxmlformats.org/drawingml/2006/main" xmlns:r="http://schemas.openxmlformats.org/officeDocument/2006/relationships" xmlns:p="http://schemas.openxmlformats.org/presentationml/2006/main">
-  <p:cSld>
-    <p:spTree>
-      <p:nvGrpSpPr>
-        <p:cNvPr id="1" name=""/>
-        <p:cNvGrpSpPr/>
-        <p:nvPr/>
-      </p:nvGrpSpPr>
-      <p:grpSpPr>
-        <a:xfrm>
-          <a:off x="0" y="0"/>
-          <a:ext cx="0" cy="0"/>
-          <a:chOff x="0" y="0"/>
-          <a:chExt cx="0" cy="0"/>
-        </a:xfrm>
-      </p:grpSpPr>
-    </p:spTree>
-    <p:extLst>
-      <p:ext uri="{BB962C8B-B14F-4D97-AF65-F5344CB8AC3E}">
-        <p14:creationId xmlns:p14="http://schemas.microsoft.com/office/powerpoint/2010/main" val="411611045"/>
       </p:ext>
     </p:extLst>
   </p:cSld>
